--- a/其他/ming.pptx
+++ b/其他/ming.pptx
@@ -16,6 +16,7 @@
     <p:sldId id="262" r:id="rId10"/>
     <p:sldId id="264" r:id="rId11"/>
     <p:sldId id="265" r:id="rId12"/>
+    <p:sldId id="267" r:id="rId13"/>
   </p:sldIdLst>
   <p:sldSz cx="12192000" cy="6858000"/>
   <p:notesSz cx="6858000" cy="9144000"/>
@@ -114,6 +115,11 @@
       </a:defRPr>
     </a:lvl9pPr>
   </p:defaultTextStyle>
+  <p:extLst>
+    <p:ext uri="{EFAFB233-063F-42B5-8137-9DF3F51BA10A}">
+      <p15:sldGuideLst xmlns:p15="http://schemas.microsoft.com/office/powerpoint/2012/main"/>
+    </p:ext>
+  </p:extLst>
 </p:presentation>
 </file>
 
@@ -248,7 +254,7 @@
           <a:p>
             <a:fld id="{F393D260-C926-4CC8-914C-A13D71D9C43C}" type="datetimeFigureOut">
               <a:rPr lang="zh-CN" altLang="en-US" smtClean="0"/>
-              <a:t>2018/8/6</a:t>
+              <a:t>2018/8/8</a:t>
             </a:fld>
             <a:endParaRPr lang="zh-CN" altLang="en-US"/>
           </a:p>
@@ -418,7 +424,7 @@
           <a:p>
             <a:fld id="{F393D260-C926-4CC8-914C-A13D71D9C43C}" type="datetimeFigureOut">
               <a:rPr lang="zh-CN" altLang="en-US" smtClean="0"/>
-              <a:t>2018/8/6</a:t>
+              <a:t>2018/8/8</a:t>
             </a:fld>
             <a:endParaRPr lang="zh-CN" altLang="en-US"/>
           </a:p>
@@ -598,7 +604,7 @@
           <a:p>
             <a:fld id="{F393D260-C926-4CC8-914C-A13D71D9C43C}" type="datetimeFigureOut">
               <a:rPr lang="zh-CN" altLang="en-US" smtClean="0"/>
-              <a:t>2018/8/6</a:t>
+              <a:t>2018/8/8</a:t>
             </a:fld>
             <a:endParaRPr lang="zh-CN" altLang="en-US"/>
           </a:p>
@@ -768,7 +774,7 @@
           <a:p>
             <a:fld id="{F393D260-C926-4CC8-914C-A13D71D9C43C}" type="datetimeFigureOut">
               <a:rPr lang="zh-CN" altLang="en-US" smtClean="0"/>
-              <a:t>2018/8/6</a:t>
+              <a:t>2018/8/8</a:t>
             </a:fld>
             <a:endParaRPr lang="zh-CN" altLang="en-US"/>
           </a:p>
@@ -1014,7 +1020,7 @@
           <a:p>
             <a:fld id="{F393D260-C926-4CC8-914C-A13D71D9C43C}" type="datetimeFigureOut">
               <a:rPr lang="zh-CN" altLang="en-US" smtClean="0"/>
-              <a:t>2018/8/6</a:t>
+              <a:t>2018/8/8</a:t>
             </a:fld>
             <a:endParaRPr lang="zh-CN" altLang="en-US"/>
           </a:p>
@@ -1246,7 +1252,7 @@
           <a:p>
             <a:fld id="{F393D260-C926-4CC8-914C-A13D71D9C43C}" type="datetimeFigureOut">
               <a:rPr lang="zh-CN" altLang="en-US" smtClean="0"/>
-              <a:t>2018/8/6</a:t>
+              <a:t>2018/8/8</a:t>
             </a:fld>
             <a:endParaRPr lang="zh-CN" altLang="en-US"/>
           </a:p>
@@ -1613,7 +1619,7 @@
           <a:p>
             <a:fld id="{F393D260-C926-4CC8-914C-A13D71D9C43C}" type="datetimeFigureOut">
               <a:rPr lang="zh-CN" altLang="en-US" smtClean="0"/>
-              <a:t>2018/8/6</a:t>
+              <a:t>2018/8/8</a:t>
             </a:fld>
             <a:endParaRPr lang="zh-CN" altLang="en-US"/>
           </a:p>
@@ -1731,7 +1737,7 @@
           <a:p>
             <a:fld id="{F393D260-C926-4CC8-914C-A13D71D9C43C}" type="datetimeFigureOut">
               <a:rPr lang="zh-CN" altLang="en-US" smtClean="0"/>
-              <a:t>2018/8/6</a:t>
+              <a:t>2018/8/8</a:t>
             </a:fld>
             <a:endParaRPr lang="zh-CN" altLang="en-US"/>
           </a:p>
@@ -1826,7 +1832,7 @@
           <a:p>
             <a:fld id="{F393D260-C926-4CC8-914C-A13D71D9C43C}" type="datetimeFigureOut">
               <a:rPr lang="zh-CN" altLang="en-US" smtClean="0"/>
-              <a:t>2018/8/6</a:t>
+              <a:t>2018/8/8</a:t>
             </a:fld>
             <a:endParaRPr lang="zh-CN" altLang="en-US"/>
           </a:p>
@@ -2103,7 +2109,7 @@
           <a:p>
             <a:fld id="{F393D260-C926-4CC8-914C-A13D71D9C43C}" type="datetimeFigureOut">
               <a:rPr lang="zh-CN" altLang="en-US" smtClean="0"/>
-              <a:t>2018/8/6</a:t>
+              <a:t>2018/8/8</a:t>
             </a:fld>
             <a:endParaRPr lang="zh-CN" altLang="en-US"/>
           </a:p>
@@ -2356,7 +2362,7 @@
           <a:p>
             <a:fld id="{F393D260-C926-4CC8-914C-A13D71D9C43C}" type="datetimeFigureOut">
               <a:rPr lang="zh-CN" altLang="en-US" smtClean="0"/>
-              <a:t>2018/8/6</a:t>
+              <a:t>2018/8/8</a:t>
             </a:fld>
             <a:endParaRPr lang="zh-CN" altLang="en-US"/>
           </a:p>
@@ -2569,7 +2575,7 @@
           <a:p>
             <a:fld id="{F393D260-C926-4CC8-914C-A13D71D9C43C}" type="datetimeFigureOut">
               <a:rPr lang="zh-CN" altLang="en-US" smtClean="0"/>
-              <a:t>2018/8/6</a:t>
+              <a:t>2018/8/8</a:t>
             </a:fld>
             <a:endParaRPr lang="zh-CN" altLang="en-US"/>
           </a:p>
@@ -3395,6 +3401,110 @@
 </p:sld>
 </file>
 
+<file path=ppt/slides/slide12.xml><?xml version="1.0" encoding="utf-8"?>
+<p:sld xmlns:a="http://schemas.openxmlformats.org/drawingml/2006/main" xmlns:r="http://schemas.openxmlformats.org/officeDocument/2006/relationships" xmlns:p="http://schemas.openxmlformats.org/presentationml/2006/main">
+  <p:cSld>
+    <p:spTree>
+      <p:nvGrpSpPr>
+        <p:cNvPr id="1" name=""/>
+        <p:cNvGrpSpPr/>
+        <p:nvPr/>
+      </p:nvGrpSpPr>
+      <p:grpSpPr>
+        <a:xfrm>
+          <a:off x="0" y="0"/>
+          <a:ext cx="0" cy="0"/>
+          <a:chOff x="0" y="0"/>
+          <a:chExt cx="0" cy="0"/>
+        </a:xfrm>
+      </p:grpSpPr>
+      <p:sp>
+        <p:nvSpPr>
+          <p:cNvPr id="3" name="副标题 2"/>
+          <p:cNvSpPr>
+            <a:spLocks noGrp="1"/>
+          </p:cNvSpPr>
+          <p:nvPr>
+            <p:ph type="subTitle" idx="1"/>
+          </p:nvPr>
+        </p:nvSpPr>
+        <p:spPr>
+          <a:xfrm>
+            <a:off x="1387522" y="654121"/>
+            <a:ext cx="9144000" cy="492291"/>
+          </a:xfrm>
+        </p:spPr>
+        <p:txBody>
+          <a:bodyPr/>
+          <a:lstStyle/>
+          <a:p>
+            <a:r>
+              <a:rPr lang="zh-CN" altLang="en-US" dirty="0" smtClean="0"/>
+              <a:t>十分光</a:t>
+            </a:r>
+            <a:endParaRPr lang="zh-CN" altLang="en-US" dirty="0"/>
+          </a:p>
+        </p:txBody>
+      </p:sp>
+      <p:sp>
+        <p:nvSpPr>
+          <p:cNvPr id="2" name="矩形 1"/>
+          <p:cNvSpPr/>
+          <p:nvPr/>
+        </p:nvSpPr>
+        <p:spPr>
+          <a:xfrm>
+            <a:off x="252549" y="128693"/>
+            <a:ext cx="11791406" cy="6612323"/>
+          </a:xfrm>
+          <a:prstGeom prst="rect">
+            <a:avLst/>
+          </a:prstGeom>
+        </p:spPr>
+        <p:txBody>
+          <a:bodyPr wrap="square">
+            <a:spAutoFit/>
+          </a:bodyPr>
+          <a:lstStyle/>
+          <a:p>
+            <a:pPr>
+              <a:lnSpc>
+                <a:spcPct val="107000"/>
+              </a:lnSpc>
+              <a:spcAft>
+                <a:spcPts val="800"/>
+              </a:spcAft>
+            </a:pPr>
+            <a:r>
+              <a:rPr lang="zh-CN" altLang="en-US" dirty="0">
+                <a:latin typeface="Calibri" panose="020F0502020204030204" pitchFamily="34" charset="0"/>
+                <a:ea typeface="SimSun" panose="02010600030101010101" pitchFamily="2" charset="-122"/>
+                <a:cs typeface="Times New Roman" panose="02020603050405020304" pitchFamily="18" charset="0"/>
+              </a:rPr>
+              <a:t>这个雌儿来历，虽然微末出身，却倒百伶百俐，会一手好弹唱，针指女工，百家歌曲，双陆象棋，无所不知。小名叫做金莲，娘家姓潘，原是南门外潘裁的女儿，卖在张大户家学弹唱。后因大户年老，打发出来，不要武大一文钱，白白与了他为妻。这雌儿等闲不出来，老身无事常过去与他闲坐。他有事亦来请我理会，他也叫我做干娘。武大这两日出门早。大官人如干此事，便买一匹蓝绸、一匹白绸、一匹白绢，再用十两好绵，都把来与老身。老身却走过去问他借历日，央及他拣个好日期，叫个裁缝来做。他若见我这般说，拣了日期，不肯与我来做时，此事便休了；他若欢天喜地说：‘我替你做。’不要我叫裁缝，这光便有一分了。我便请得他来做，就替我缝，这光便二分了。他若来做时，午间我却安排些酒食点心请他吃。他若说不便当，定要将去家中做，此事便休了；他不言语吃了时，这光便有三分了。这一日你也莫来，直至第三日，晌午前后，你整整齐齐打扮了来，以咳嗽为号，你在门前叫道：‘怎的连日不见王干娘？我买盏茶吃。’我便出来请你入房里坐吃茶。他若见你便起身来，走了归去，难道我扯住他不成？此事便休了。他若见你入来，不动身时，这光便有四分了。坐下时，我便对雌儿说道：‘这个便是与我衣服施主的官人，亏杀他。’我便夸大官人许多好处，你便卖弄他针指。若是他不来兜揽答应时，此事便休了；他若口中答应与你说话时，这光便有五分了。我便道：‘却难为这位娘子与我作成出手做，亏杀你两施主，一个出钱，一个出力。不是老身路歧相央，难得这位娘子在这里，官人做个主人替娘子浇浇手。’你便取银子出来，央我买。若是他便走时，难道我扯住他？此事便休了。他若是不动身时，事务易成，这光便有六分了。我却拿银子，临出门时对他说：‘有劳娘子相待官人坐一坐。’他若起身走了家去，我终不成阻挡他？此事便休了。若是他不起身，又好了，这光便有七分了。待我买得东西提在桌子上，便说：‘娘子且收拾过生活去，且吃一杯儿酒，难得这官人坏钱。’他不肯和你同桌吃，去了，此事便休了。若是他不起身，此事又好了，这光便有八分了。待他吃得酒浓时，正说得入港，我便推道没了酒，再交你买，你便拿银子，又央我买酒去并果子来配酒。我把门拽上，关你两个在屋里。他若焦燥跑了归去时，此事便休了；他若由我拽上门，不焦躁时，这光便有九分，只欠一分了。只是这一分倒难。大官人你在房里，便着几句甜话儿说入去，却不可燥暴，便去动手动脚打搅了事，那时我不管你。你先把袖子向桌子上拂落一双箸下去，只推拾箸，将手去他脚上捏一捏。他若闹将起来，我自来搭救。此事便休了，再也难成。若是他不做声时，此事十分光了。</a:t>
+            </a:r>
+            <a:endParaRPr lang="en-US" dirty="0">
+              <a:effectLst/>
+              <a:latin typeface="Calibri" panose="020F0502020204030204" pitchFamily="34" charset="0"/>
+              <a:ea typeface="SimSun" panose="02010600030101010101" pitchFamily="2" charset="-122"/>
+              <a:cs typeface="Times New Roman" panose="02020603050405020304" pitchFamily="18" charset="0"/>
+            </a:endParaRPr>
+          </a:p>
+        </p:txBody>
+      </p:sp>
+    </p:spTree>
+    <p:extLst>
+      <p:ext uri="{BB962C8B-B14F-4D97-AF65-F5344CB8AC3E}">
+        <p14:creationId xmlns:p14="http://schemas.microsoft.com/office/powerpoint/2010/main" val="1893936493"/>
+      </p:ext>
+    </p:extLst>
+  </p:cSld>
+  <p:clrMapOvr>
+    <a:masterClrMapping/>
+  </p:clrMapOvr>
+</p:sld>
+</file>
+
 <file path=ppt/slides/slide2.xml><?xml version="1.0" encoding="utf-8"?>
 <p:sld xmlns:a="http://schemas.openxmlformats.org/drawingml/2006/main" xmlns:r="http://schemas.openxmlformats.org/officeDocument/2006/relationships" xmlns:p="http://schemas.openxmlformats.org/presentationml/2006/main">
   <p:cSld>
